--- a/Proyect_Final/Demo Day - Gustavo Castillo.pptx
+++ b/Proyect_Final/Demo Day - Gustavo Castillo.pptx
@@ -13838,18 +13838,11 @@
               <a:buSzPts val="6800"/>
             </a:pPr>
             <a:r>
-              <a:rPr lang="es-PA" sz="7200" b="1" i="0" dirty="0" err="1">
-                <a:effectLst/>
-                <a:latin typeface="-apple-system"/>
-              </a:rPr>
-              <a:t>Indetificación</a:t>
-            </a:r>
-            <a:r>
               <a:rPr lang="es-PA" sz="7200" b="1" i="0" dirty="0">
                 <a:effectLst/>
                 <a:latin typeface="-apple-system"/>
               </a:rPr>
-              <a:t> del problema</a:t>
+              <a:t>Identificación del problema</a:t>
             </a:r>
           </a:p>
           <a:p>
@@ -14363,18 +14356,11 @@
           <a:p>
             <a:pPr algn="l"/>
             <a:r>
-              <a:rPr lang="es-PA" sz="4800" b="1" i="0" dirty="0" err="1">
-                <a:effectLst/>
-                <a:latin typeface="-apple-system"/>
-              </a:rPr>
-              <a:t>Indetificación</a:t>
-            </a:r>
-            <a:r>
               <a:rPr lang="es-PA" sz="4800" b="1" i="0" dirty="0">
                 <a:effectLst/>
                 <a:latin typeface="-apple-system"/>
               </a:rPr>
-              <a:t> del problema</a:t>
+              <a:t>Identificación del problema</a:t>
             </a:r>
           </a:p>
         </p:txBody>

--- a/Proyect_Final/Demo Day - Gustavo Castillo.pptx
+++ b/Proyect_Final/Demo Day - Gustavo Castillo.pptx
@@ -13427,7 +13427,7 @@
                 <a:cs typeface="Montserrat"/>
                 <a:sym typeface="Montserrat"/>
               </a:rPr>
-              <a:t>Para esta parte se mostrara a continuación ya el programa efectuado y sus respectivos pasos en </a:t>
+              <a:t>Para esta parte se mostrará a continuación ya el programa efectuado y sus respectivos pasos en </a:t>
             </a:r>
             <a:r>
               <a:rPr lang="es-CR" sz="2600" b="0" i="0" u="none" strike="noStrike" cap="none" dirty="0" err="1">
